--- a/Apresentação TCC I.pptx
+++ b/Apresentação TCC I.pptx
@@ -5,7 +5,7 @@
     <p:sldMasterId id="2147483648" r:id="rId1"/>
   </p:sldMasterIdLst>
   <p:notesMasterIdLst>
-    <p:notesMasterId r:id="rId19"/>
+    <p:notesMasterId r:id="rId16"/>
   </p:notesMasterIdLst>
   <p:sldIdLst>
     <p:sldId id="256" r:id="rId2"/>
@@ -17,14 +17,11 @@
     <p:sldId id="355" r:id="rId8"/>
     <p:sldId id="361" r:id="rId9"/>
     <p:sldId id="363" r:id="rId10"/>
-    <p:sldId id="364" r:id="rId11"/>
-    <p:sldId id="356" r:id="rId12"/>
-    <p:sldId id="367" r:id="rId13"/>
-    <p:sldId id="366" r:id="rId14"/>
-    <p:sldId id="365" r:id="rId15"/>
-    <p:sldId id="368" r:id="rId16"/>
-    <p:sldId id="369" r:id="rId17"/>
-    <p:sldId id="353" r:id="rId18"/>
+    <p:sldId id="371" r:id="rId11"/>
+    <p:sldId id="364" r:id="rId12"/>
+    <p:sldId id="368" r:id="rId13"/>
+    <p:sldId id="369" r:id="rId14"/>
+    <p:sldId id="353" r:id="rId15"/>
   </p:sldIdLst>
   <p:sldSz cx="9144000" cy="6858000" type="screen4x3"/>
   <p:notesSz cx="6858000" cy="9144000"/>
@@ -250,7 +247,7 @@
           <a:p>
             <a:fld id="{10D4201F-C0B5-459E-B757-DA809DC41728}" type="datetimeFigureOut">
               <a:rPr lang="pt-BR" smtClean="0"/>
-              <a:t>05/07/2022</a:t>
+              <a:t>15/07/2022</a:t>
             </a:fld>
             <a:endParaRPr lang="pt-BR"/>
           </a:p>
@@ -645,6 +642,52 @@
           <a:bodyPr/>
           <a:lstStyle/>
           <a:p>
+            <a:pPr algn="l"/>
+            <a:r>
+              <a:rPr lang="fr-FR" sz="1200" b="0" i="0" u="none" strike="noStrike" baseline="0" dirty="0">
+                <a:latin typeface="Arial" panose="020B0604020202020204" pitchFamily="34" charset="0"/>
+              </a:rPr>
+              <a:t>Fonte: Quan Xin </a:t>
+            </a:r>
+            <a:r>
+              <a:rPr lang="fr-FR" sz="1200" b="0" i="1" u="none" strike="noStrike" baseline="0" dirty="0">
+                <a:latin typeface="Arial" panose="020B0604020202020204" pitchFamily="34" charset="0"/>
+              </a:rPr>
+              <a:t>et al </a:t>
+            </a:r>
+            <a:r>
+              <a:rPr lang="fr-FR" sz="1200" b="0" i="0" u="none" strike="noStrike" baseline="0" dirty="0">
+                <a:latin typeface="Arial" panose="020B0604020202020204" pitchFamily="34" charset="0"/>
+              </a:rPr>
+              <a:t>2019 </a:t>
+            </a:r>
+            <a:r>
+              <a:rPr lang="fr-FR" sz="1200" b="0" i="1" u="none" strike="noStrike" baseline="0" dirty="0">
+                <a:latin typeface="Arial" panose="020B0604020202020204" pitchFamily="34" charset="0"/>
+              </a:rPr>
+              <a:t>J. Phys.: Conf. Ser. </a:t>
+            </a:r>
+            <a:r>
+              <a:rPr lang="fr-FR" sz="1200" b="1" i="0" u="none" strike="noStrike" baseline="0" dirty="0">
+                <a:latin typeface="Arial" panose="020B0604020202020204" pitchFamily="34" charset="0"/>
+              </a:rPr>
+              <a:t>1314 </a:t>
+            </a:r>
+            <a:r>
+              <a:rPr lang="fr-FR" sz="1200" b="0" i="0" u="none" strike="noStrike" baseline="0" dirty="0">
+                <a:latin typeface="Arial" panose="020B0604020202020204" pitchFamily="34" charset="0"/>
+              </a:rPr>
+              <a:t>012100 </a:t>
+            </a:r>
+            <a:r>
+              <a:rPr lang="fr-FR" dirty="0">
+                <a:latin typeface="Arial" panose="020B0604020202020204" pitchFamily="34" charset="0"/>
+              </a:rPr>
+              <a:t>Pg. 4</a:t>
+            </a:r>
+            <a:endParaRPr lang="pt-BR" dirty="0"/>
+          </a:p>
+          <a:p>
             <a:endParaRPr lang="pt-BR" dirty="0"/>
           </a:p>
         </p:txBody>
@@ -675,7 +718,7 @@
     </p:spTree>
     <p:extLst>
       <p:ext uri="{BB962C8B-B14F-4D97-AF65-F5344CB8AC3E}">
-        <p14:creationId xmlns:p14="http://schemas.microsoft.com/office/powerpoint/2010/main" val="2032248820"/>
+        <p14:creationId xmlns:p14="http://schemas.microsoft.com/office/powerpoint/2010/main" val="1367012556"/>
       </p:ext>
     </p:extLst>
   </p:cSld>
@@ -759,7 +802,7 @@
     </p:spTree>
     <p:extLst>
       <p:ext uri="{BB962C8B-B14F-4D97-AF65-F5344CB8AC3E}">
-        <p14:creationId xmlns:p14="http://schemas.microsoft.com/office/powerpoint/2010/main" val="2324526641"/>
+        <p14:creationId xmlns:p14="http://schemas.microsoft.com/office/powerpoint/2010/main" val="2032248820"/>
       </p:ext>
     </p:extLst>
   </p:cSld>
@@ -843,7 +886,7 @@
     </p:spTree>
     <p:extLst>
       <p:ext uri="{BB962C8B-B14F-4D97-AF65-F5344CB8AC3E}">
-        <p14:creationId xmlns:p14="http://schemas.microsoft.com/office/powerpoint/2010/main" val="2163433037"/>
+        <p14:creationId xmlns:p14="http://schemas.microsoft.com/office/powerpoint/2010/main" val="4005548277"/>
       </p:ext>
     </p:extLst>
   </p:cSld>
@@ -897,50 +940,7 @@
           <a:bodyPr/>
           <a:lstStyle/>
           <a:p>
-            <a:pPr algn="l"/>
-            <a:r>
-              <a:rPr lang="pt-BR" b="0" i="0" dirty="0">
-                <a:solidFill>
-                  <a:srgbClr val="222222"/>
-                </a:solidFill>
-                <a:effectLst/>
-                <a:latin typeface="Roboto" panose="02000000000000000000" pitchFamily="2" charset="0"/>
-              </a:rPr>
-              <a:t>Possibilidade de conectar e monitorar até 110 sensores.</a:t>
-            </a:r>
-          </a:p>
-          <a:p>
-            <a:pPr algn="l"/>
-            <a:r>
-              <a:rPr lang="pt-BR" b="0" i="0" dirty="0">
-                <a:solidFill>
-                  <a:srgbClr val="222222"/>
-                </a:solidFill>
-                <a:effectLst/>
-                <a:latin typeface="Roboto" panose="02000000000000000000" pitchFamily="2" charset="0"/>
-              </a:rPr>
-              <a:t>Data </a:t>
-            </a:r>
-            <a:r>
-              <a:rPr lang="pt-BR" b="0" i="0" dirty="0" err="1">
-                <a:solidFill>
-                  <a:srgbClr val="222222"/>
-                </a:solidFill>
-                <a:effectLst/>
-                <a:latin typeface="Roboto" panose="02000000000000000000" pitchFamily="2" charset="0"/>
-              </a:rPr>
-              <a:t>loger</a:t>
-            </a:r>
-            <a:r>
-              <a:rPr lang="pt-BR" b="0" i="0" dirty="0">
-                <a:solidFill>
-                  <a:srgbClr val="222222"/>
-                </a:solidFill>
-                <a:effectLst/>
-                <a:latin typeface="Roboto" panose="02000000000000000000" pitchFamily="2" charset="0"/>
-              </a:rPr>
-              <a:t> e relatório de falhas. Esse CDI também permite visualizar em tempo real via Software instalado em um PC as informações do TPMS.</a:t>
-            </a:r>
+            <a:endParaRPr lang="pt-BR" dirty="0"/>
           </a:p>
         </p:txBody>
       </p:sp>
@@ -970,7 +970,7 @@
     </p:spTree>
     <p:extLst>
       <p:ext uri="{BB962C8B-B14F-4D97-AF65-F5344CB8AC3E}">
-        <p14:creationId xmlns:p14="http://schemas.microsoft.com/office/powerpoint/2010/main" val="1329251517"/>
+        <p14:creationId xmlns:p14="http://schemas.microsoft.com/office/powerpoint/2010/main" val="3417327109"/>
       </p:ext>
     </p:extLst>
   </p:cSld>
@@ -1046,258 +1046,6 @@
             <a:fld id="{FC39FDC4-20F3-43D1-8C49-60E870652879}" type="slidenum">
               <a:rPr lang="pt-BR" smtClean="0"/>
               <a:t>14</a:t>
-            </a:fld>
-            <a:endParaRPr lang="pt-BR"/>
-          </a:p>
-        </p:txBody>
-      </p:sp>
-    </p:spTree>
-    <p:extLst>
-      <p:ext uri="{BB962C8B-B14F-4D97-AF65-F5344CB8AC3E}">
-        <p14:creationId xmlns:p14="http://schemas.microsoft.com/office/powerpoint/2010/main" val="2519380576"/>
-      </p:ext>
-    </p:extLst>
-  </p:cSld>
-  <p:clrMapOvr>
-    <a:masterClrMapping/>
-  </p:clrMapOvr>
-</p:notes>
-</file>
-
-<file path=ppt/notesSlides/notesSlide15.xml><?xml version="1.0" encoding="utf-8"?>
-<p:notes xmlns:a="http://schemas.openxmlformats.org/drawingml/2006/main" xmlns:r="http://schemas.openxmlformats.org/officeDocument/2006/relationships" xmlns:p="http://schemas.openxmlformats.org/presentationml/2006/main">
-  <p:cSld>
-    <p:spTree>
-      <p:nvGrpSpPr>
-        <p:cNvPr id="1" name=""/>
-        <p:cNvGrpSpPr/>
-        <p:nvPr/>
-      </p:nvGrpSpPr>
-      <p:grpSpPr>
-        <a:xfrm>
-          <a:off x="0" y="0"/>
-          <a:ext cx="0" cy="0"/>
-          <a:chOff x="0" y="0"/>
-          <a:chExt cx="0" cy="0"/>
-        </a:xfrm>
-      </p:grpSpPr>
-      <p:sp>
-        <p:nvSpPr>
-          <p:cNvPr id="2" name="Espaço Reservado para Imagem de Slide 1"/>
-          <p:cNvSpPr>
-            <a:spLocks noGrp="1" noRot="1" noChangeAspect="1"/>
-          </p:cNvSpPr>
-          <p:nvPr>
-            <p:ph type="sldImg"/>
-          </p:nvPr>
-        </p:nvSpPr>
-        <p:spPr/>
-      </p:sp>
-      <p:sp>
-        <p:nvSpPr>
-          <p:cNvPr id="3" name="Espaço Reservado para Anotações 2"/>
-          <p:cNvSpPr>
-            <a:spLocks noGrp="1"/>
-          </p:cNvSpPr>
-          <p:nvPr>
-            <p:ph type="body" idx="1"/>
-          </p:nvPr>
-        </p:nvSpPr>
-        <p:spPr/>
-        <p:txBody>
-          <a:bodyPr/>
-          <a:lstStyle/>
-          <a:p>
-            <a:endParaRPr lang="pt-BR" dirty="0"/>
-          </a:p>
-        </p:txBody>
-      </p:sp>
-      <p:sp>
-        <p:nvSpPr>
-          <p:cNvPr id="4" name="Espaço Reservado para Número de Slide 3"/>
-          <p:cNvSpPr>
-            <a:spLocks noGrp="1"/>
-          </p:cNvSpPr>
-          <p:nvPr>
-            <p:ph type="sldNum" sz="quarter" idx="10"/>
-          </p:nvPr>
-        </p:nvSpPr>
-        <p:spPr/>
-        <p:txBody>
-          <a:bodyPr/>
-          <a:lstStyle/>
-          <a:p>
-            <a:fld id="{FC39FDC4-20F3-43D1-8C49-60E870652879}" type="slidenum">
-              <a:rPr lang="pt-BR" smtClean="0"/>
-              <a:t>15</a:t>
-            </a:fld>
-            <a:endParaRPr lang="pt-BR"/>
-          </a:p>
-        </p:txBody>
-      </p:sp>
-    </p:spTree>
-    <p:extLst>
-      <p:ext uri="{BB962C8B-B14F-4D97-AF65-F5344CB8AC3E}">
-        <p14:creationId xmlns:p14="http://schemas.microsoft.com/office/powerpoint/2010/main" val="4005548277"/>
-      </p:ext>
-    </p:extLst>
-  </p:cSld>
-  <p:clrMapOvr>
-    <a:masterClrMapping/>
-  </p:clrMapOvr>
-</p:notes>
-</file>
-
-<file path=ppt/notesSlides/notesSlide16.xml><?xml version="1.0" encoding="utf-8"?>
-<p:notes xmlns:a="http://schemas.openxmlformats.org/drawingml/2006/main" xmlns:r="http://schemas.openxmlformats.org/officeDocument/2006/relationships" xmlns:p="http://schemas.openxmlformats.org/presentationml/2006/main">
-  <p:cSld>
-    <p:spTree>
-      <p:nvGrpSpPr>
-        <p:cNvPr id="1" name=""/>
-        <p:cNvGrpSpPr/>
-        <p:nvPr/>
-      </p:nvGrpSpPr>
-      <p:grpSpPr>
-        <a:xfrm>
-          <a:off x="0" y="0"/>
-          <a:ext cx="0" cy="0"/>
-          <a:chOff x="0" y="0"/>
-          <a:chExt cx="0" cy="0"/>
-        </a:xfrm>
-      </p:grpSpPr>
-      <p:sp>
-        <p:nvSpPr>
-          <p:cNvPr id="2" name="Espaço Reservado para Imagem de Slide 1"/>
-          <p:cNvSpPr>
-            <a:spLocks noGrp="1" noRot="1" noChangeAspect="1"/>
-          </p:cNvSpPr>
-          <p:nvPr>
-            <p:ph type="sldImg"/>
-          </p:nvPr>
-        </p:nvSpPr>
-        <p:spPr/>
-      </p:sp>
-      <p:sp>
-        <p:nvSpPr>
-          <p:cNvPr id="3" name="Espaço Reservado para Anotações 2"/>
-          <p:cNvSpPr>
-            <a:spLocks noGrp="1"/>
-          </p:cNvSpPr>
-          <p:nvPr>
-            <p:ph type="body" idx="1"/>
-          </p:nvPr>
-        </p:nvSpPr>
-        <p:spPr/>
-        <p:txBody>
-          <a:bodyPr/>
-          <a:lstStyle/>
-          <a:p>
-            <a:endParaRPr lang="pt-BR" dirty="0"/>
-          </a:p>
-        </p:txBody>
-      </p:sp>
-      <p:sp>
-        <p:nvSpPr>
-          <p:cNvPr id="4" name="Espaço Reservado para Número de Slide 3"/>
-          <p:cNvSpPr>
-            <a:spLocks noGrp="1"/>
-          </p:cNvSpPr>
-          <p:nvPr>
-            <p:ph type="sldNum" sz="quarter" idx="10"/>
-          </p:nvPr>
-        </p:nvSpPr>
-        <p:spPr/>
-        <p:txBody>
-          <a:bodyPr/>
-          <a:lstStyle/>
-          <a:p>
-            <a:fld id="{FC39FDC4-20F3-43D1-8C49-60E870652879}" type="slidenum">
-              <a:rPr lang="pt-BR" smtClean="0"/>
-              <a:t>16</a:t>
-            </a:fld>
-            <a:endParaRPr lang="pt-BR"/>
-          </a:p>
-        </p:txBody>
-      </p:sp>
-    </p:spTree>
-    <p:extLst>
-      <p:ext uri="{BB962C8B-B14F-4D97-AF65-F5344CB8AC3E}">
-        <p14:creationId xmlns:p14="http://schemas.microsoft.com/office/powerpoint/2010/main" val="3417327109"/>
-      </p:ext>
-    </p:extLst>
-  </p:cSld>
-  <p:clrMapOvr>
-    <a:masterClrMapping/>
-  </p:clrMapOvr>
-</p:notes>
-</file>
-
-<file path=ppt/notesSlides/notesSlide17.xml><?xml version="1.0" encoding="utf-8"?>
-<p:notes xmlns:a="http://schemas.openxmlformats.org/drawingml/2006/main" xmlns:r="http://schemas.openxmlformats.org/officeDocument/2006/relationships" xmlns:p="http://schemas.openxmlformats.org/presentationml/2006/main">
-  <p:cSld>
-    <p:spTree>
-      <p:nvGrpSpPr>
-        <p:cNvPr id="1" name=""/>
-        <p:cNvGrpSpPr/>
-        <p:nvPr/>
-      </p:nvGrpSpPr>
-      <p:grpSpPr>
-        <a:xfrm>
-          <a:off x="0" y="0"/>
-          <a:ext cx="0" cy="0"/>
-          <a:chOff x="0" y="0"/>
-          <a:chExt cx="0" cy="0"/>
-        </a:xfrm>
-      </p:grpSpPr>
-      <p:sp>
-        <p:nvSpPr>
-          <p:cNvPr id="2" name="Espaço Reservado para Imagem de Slide 1"/>
-          <p:cNvSpPr>
-            <a:spLocks noGrp="1" noRot="1" noChangeAspect="1"/>
-          </p:cNvSpPr>
-          <p:nvPr>
-            <p:ph type="sldImg"/>
-          </p:nvPr>
-        </p:nvSpPr>
-        <p:spPr/>
-      </p:sp>
-      <p:sp>
-        <p:nvSpPr>
-          <p:cNvPr id="3" name="Espaço Reservado para Anotações 2"/>
-          <p:cNvSpPr>
-            <a:spLocks noGrp="1"/>
-          </p:cNvSpPr>
-          <p:nvPr>
-            <p:ph type="body" idx="1"/>
-          </p:nvPr>
-        </p:nvSpPr>
-        <p:spPr/>
-        <p:txBody>
-          <a:bodyPr/>
-          <a:lstStyle/>
-          <a:p>
-            <a:endParaRPr lang="pt-BR" dirty="0"/>
-          </a:p>
-        </p:txBody>
-      </p:sp>
-      <p:sp>
-        <p:nvSpPr>
-          <p:cNvPr id="4" name="Espaço Reservado para Número de Slide 3"/>
-          <p:cNvSpPr>
-            <a:spLocks noGrp="1"/>
-          </p:cNvSpPr>
-          <p:nvPr>
-            <p:ph type="sldNum" sz="quarter" idx="10"/>
-          </p:nvPr>
-        </p:nvSpPr>
-        <p:spPr/>
-        <p:txBody>
-          <a:bodyPr/>
-          <a:lstStyle/>
-          <a:p>
-            <a:fld id="{FC39FDC4-20F3-43D1-8C49-60E870652879}" type="slidenum">
-              <a:rPr lang="pt-BR" smtClean="0"/>
-              <a:t>17</a:t>
             </a:fld>
             <a:endParaRPr lang="pt-BR"/>
           </a:p>
@@ -2400,7 +2148,7 @@
           <a:p>
             <a:fld id="{D2F441AC-3818-47C6-BC59-716F4B70BD90}" type="datetimeFigureOut">
               <a:rPr lang="pt-BR" smtClean="0"/>
-              <a:t>05/07/2022</a:t>
+              <a:t>15/07/2022</a:t>
             </a:fld>
             <a:endParaRPr lang="pt-BR"/>
           </a:p>
@@ -2598,7 +2346,7 @@
           <a:p>
             <a:fld id="{D2F441AC-3818-47C6-BC59-716F4B70BD90}" type="datetimeFigureOut">
               <a:rPr lang="pt-BR" smtClean="0"/>
-              <a:t>05/07/2022</a:t>
+              <a:t>15/07/2022</a:t>
             </a:fld>
             <a:endParaRPr lang="pt-BR"/>
           </a:p>
@@ -2776,7 +2524,7 @@
           <a:p>
             <a:fld id="{D2F441AC-3818-47C6-BC59-716F4B70BD90}" type="datetimeFigureOut">
               <a:rPr lang="pt-BR" smtClean="0"/>
-              <a:t>05/07/2022</a:t>
+              <a:t>15/07/2022</a:t>
             </a:fld>
             <a:endParaRPr lang="pt-BR"/>
           </a:p>
@@ -2944,7 +2692,7 @@
           <a:p>
             <a:fld id="{D2F441AC-3818-47C6-BC59-716F4B70BD90}" type="datetimeFigureOut">
               <a:rPr lang="pt-BR" smtClean="0"/>
-              <a:t>05/07/2022</a:t>
+              <a:t>15/07/2022</a:t>
             </a:fld>
             <a:endParaRPr lang="pt-BR"/>
           </a:p>
@@ -3189,7 +2937,7 @@
           <a:p>
             <a:fld id="{D2F441AC-3818-47C6-BC59-716F4B70BD90}" type="datetimeFigureOut">
               <a:rPr lang="pt-BR" smtClean="0"/>
-              <a:t>05/07/2022</a:t>
+              <a:t>15/07/2022</a:t>
             </a:fld>
             <a:endParaRPr lang="pt-BR"/>
           </a:p>
@@ -3474,7 +3222,7 @@
           <a:p>
             <a:fld id="{D2F441AC-3818-47C6-BC59-716F4B70BD90}" type="datetimeFigureOut">
               <a:rPr lang="pt-BR" smtClean="0"/>
-              <a:t>05/07/2022</a:t>
+              <a:t>15/07/2022</a:t>
             </a:fld>
             <a:endParaRPr lang="pt-BR"/>
           </a:p>
@@ -3893,7 +3641,7 @@
           <a:p>
             <a:fld id="{D2F441AC-3818-47C6-BC59-716F4B70BD90}" type="datetimeFigureOut">
               <a:rPr lang="pt-BR" smtClean="0"/>
-              <a:t>05/07/2022</a:t>
+              <a:t>15/07/2022</a:t>
             </a:fld>
             <a:endParaRPr lang="pt-BR"/>
           </a:p>
@@ -4010,7 +3758,7 @@
           <a:p>
             <a:fld id="{D2F441AC-3818-47C6-BC59-716F4B70BD90}" type="datetimeFigureOut">
               <a:rPr lang="pt-BR" smtClean="0"/>
-              <a:t>05/07/2022</a:t>
+              <a:t>15/07/2022</a:t>
             </a:fld>
             <a:endParaRPr lang="pt-BR"/>
           </a:p>
@@ -4105,7 +3853,7 @@
           <a:p>
             <a:fld id="{D2F441AC-3818-47C6-BC59-716F4B70BD90}" type="datetimeFigureOut">
               <a:rPr lang="pt-BR" smtClean="0"/>
-              <a:t>05/07/2022</a:t>
+              <a:t>15/07/2022</a:t>
             </a:fld>
             <a:endParaRPr lang="pt-BR"/>
           </a:p>
@@ -4380,7 +4128,7 @@
           <a:p>
             <a:fld id="{D2F441AC-3818-47C6-BC59-716F4B70BD90}" type="datetimeFigureOut">
               <a:rPr lang="pt-BR" smtClean="0"/>
-              <a:t>05/07/2022</a:t>
+              <a:t>15/07/2022</a:t>
             </a:fld>
             <a:endParaRPr lang="pt-BR"/>
           </a:p>
@@ -4632,7 +4380,7 @@
           <a:p>
             <a:fld id="{D2F441AC-3818-47C6-BC59-716F4B70BD90}" type="datetimeFigureOut">
               <a:rPr lang="pt-BR" smtClean="0"/>
-              <a:t>05/07/2022</a:t>
+              <a:t>15/07/2022</a:t>
             </a:fld>
             <a:endParaRPr lang="pt-BR"/>
           </a:p>
@@ -4843,7 +4591,7 @@
           <a:p>
             <a:fld id="{D2F441AC-3818-47C6-BC59-716F4B70BD90}" type="datetimeFigureOut">
               <a:rPr lang="pt-BR" smtClean="0"/>
-              <a:t>05/07/2022</a:t>
+              <a:t>15/07/2022</a:t>
             </a:fld>
             <a:endParaRPr lang="pt-BR"/>
           </a:p>
@@ -6085,8 +5833,8 @@
         </p:nvSpPr>
         <p:spPr>
           <a:xfrm>
-            <a:off x="0" y="1124744"/>
-            <a:ext cx="9144000" cy="5616624"/>
+            <a:off x="0" y="836712"/>
+            <a:ext cx="9144000" cy="5940000"/>
           </a:xfrm>
         </p:spPr>
         <p:txBody>
@@ -6104,96 +5852,9 @@
                 <a:latin typeface="Arial" panose="020B0604020202020204" pitchFamily="34" charset="0"/>
                 <a:cs typeface="Arial" panose="020B0604020202020204" pitchFamily="34" charset="0"/>
               </a:rPr>
-              <a:t>Tensão de operação ????????ISO – 16750</a:t>
-            </a:r>
-          </a:p>
-          <a:p>
-            <a:pPr marL="285750" indent="-285750">
-              <a:buFont typeface="Wingdings" panose="05000000000000000000" pitchFamily="2" charset="2"/>
-              <a:buChar char="Ø"/>
-            </a:pPr>
-            <a:r>
-              <a:rPr lang="pt-BR" sz="2600" noProof="1">
-                <a:latin typeface="Arial" panose="020B0604020202020204" pitchFamily="34" charset="0"/>
-                <a:cs typeface="Arial" panose="020B0604020202020204" pitchFamily="34" charset="0"/>
-              </a:rPr>
-              <a:t>Inversão de polaridade</a:t>
-            </a:r>
-          </a:p>
-          <a:p>
-            <a:pPr marL="285750" indent="-285750">
-              <a:buFont typeface="Wingdings" panose="05000000000000000000" pitchFamily="2" charset="2"/>
-              <a:buChar char="Ø"/>
-            </a:pPr>
-            <a:r>
-              <a:rPr lang="pt-BR" sz="2600" noProof="1">
-                <a:latin typeface="Arial" panose="020B0604020202020204" pitchFamily="34" charset="0"/>
-                <a:cs typeface="Arial" panose="020B0604020202020204" pitchFamily="34" charset="0"/>
-              </a:rPr>
-              <a:t>Pulsos de tensão </a:t>
-            </a:r>
-          </a:p>
-          <a:p>
-            <a:pPr marL="285750" indent="-285750">
-              <a:buFont typeface="Wingdings" panose="05000000000000000000" pitchFamily="2" charset="2"/>
-              <a:buChar char="Ø"/>
-            </a:pPr>
-            <a:r>
-              <a:rPr lang="pt-BR" sz="2600" noProof="1">
-                <a:latin typeface="Arial" panose="020B0604020202020204" pitchFamily="34" charset="0"/>
-                <a:cs typeface="Arial" panose="020B0604020202020204" pitchFamily="34" charset="0"/>
-              </a:rPr>
-              <a:t>Transientes de cargas indutivas</a:t>
-            </a:r>
-          </a:p>
-          <a:p>
-            <a:pPr marL="285750" indent="-285750">
-              <a:buFont typeface="Wingdings" panose="05000000000000000000" pitchFamily="2" charset="2"/>
-              <a:buChar char="Ø"/>
-            </a:pPr>
-            <a:endParaRPr lang="pt-BR" sz="2600" noProof="1">
-              <a:latin typeface="Arial" panose="020B0604020202020204" pitchFamily="34" charset="0"/>
-              <a:cs typeface="Arial" panose="020B0604020202020204" pitchFamily="34" charset="0"/>
-            </a:endParaRPr>
-          </a:p>
-          <a:p>
-            <a:pPr marL="285750" indent="-285750">
-              <a:buFont typeface="Wingdings" panose="05000000000000000000" pitchFamily="2" charset="2"/>
-              <a:buChar char="Ø"/>
-            </a:pPr>
-            <a:r>
-              <a:rPr lang="pt-BR" sz="2600" b="1" noProof="1">
-                <a:solidFill>
-                  <a:srgbClr val="FF0000"/>
-                </a:solidFill>
-                <a:latin typeface="Arial" panose="020B0604020202020204" pitchFamily="34" charset="0"/>
-                <a:cs typeface="Arial" panose="020B0604020202020204" pitchFamily="34" charset="0"/>
-              </a:rPr>
-              <a:t>Requisitos elétricos </a:t>
-            </a:r>
-          </a:p>
-          <a:p>
-            <a:pPr marL="285750" indent="-285750">
-              <a:buFont typeface="Wingdings" panose="05000000000000000000" pitchFamily="2" charset="2"/>
-              <a:buChar char="Ø"/>
-            </a:pPr>
-            <a:r>
-              <a:rPr lang="pt-BR" sz="2600" b="1" noProof="1">
-                <a:solidFill>
-                  <a:srgbClr val="FF0000"/>
-                </a:solidFill>
-                <a:latin typeface="Arial" panose="020B0604020202020204" pitchFamily="34" charset="0"/>
-                <a:cs typeface="Arial" panose="020B0604020202020204" pitchFamily="34" charset="0"/>
-              </a:rPr>
-              <a:t>Normas da LOHR</a:t>
-            </a:r>
-          </a:p>
-          <a:p>
-            <a:pPr marL="285750" indent="-285750">
-              <a:buFont typeface="Wingdings" panose="05000000000000000000" pitchFamily="2" charset="2"/>
-              <a:buChar char="Ø"/>
-            </a:pPr>
-            <a:endParaRPr lang="pt-BR" sz="2600" noProof="1">
+              <a:t>Sistema multiplex</a:t>
+            </a:r>
+            <a:endParaRPr lang="pt-BR" sz="2600" b="1" noProof="1">
               <a:latin typeface="Arial" panose="020B0604020202020204" pitchFamily="34" charset="0"/>
               <a:cs typeface="Arial" panose="020B0604020202020204" pitchFamily="34" charset="0"/>
             </a:endParaRPr>
@@ -6209,10 +5870,47 @@
           </a:p>
         </p:txBody>
       </p:sp>
+      <p:pic>
+        <p:nvPicPr>
+          <p:cNvPr id="6" name="Imagem 5" descr="Diagrama&#10;&#10;Descrição gerada automaticamente">
+            <a:extLst>
+              <a:ext uri="{FF2B5EF4-FFF2-40B4-BE49-F238E27FC236}">
+                <a16:creationId xmlns:a16="http://schemas.microsoft.com/office/drawing/2014/main" id="{398AF0D1-AD4D-9DC5-F4EF-FB0BB37043EF}"/>
+              </a:ext>
+            </a:extLst>
+          </p:cNvPr>
+          <p:cNvPicPr>
+            <a:picLocks noChangeAspect="1"/>
+          </p:cNvPicPr>
+          <p:nvPr/>
+        </p:nvPicPr>
+        <p:blipFill rotWithShape="1">
+          <a:blip r:embed="rId3"/>
+          <a:srcRect t="18069" b="718"/>
+          <a:stretch/>
+        </p:blipFill>
+        <p:spPr bwMode="auto">
+          <a:xfrm>
+            <a:off x="1115616" y="1700808"/>
+            <a:ext cx="5904656" cy="4834550"/>
+          </a:xfrm>
+          <a:prstGeom prst="rect">
+            <a:avLst/>
+          </a:prstGeom>
+          <a:ln>
+            <a:noFill/>
+          </a:ln>
+          <a:extLst>
+            <a:ext uri="{53640926-AAD7-44D8-BBD7-CCE9431645EC}">
+              <a14:shadowObscured xmlns:a14="http://schemas.microsoft.com/office/drawing/2010/main"/>
+            </a:ext>
+          </a:extLst>
+        </p:spPr>
+      </p:pic>
     </p:spTree>
     <p:extLst>
       <p:ext uri="{BB962C8B-B14F-4D97-AF65-F5344CB8AC3E}">
-        <p14:creationId xmlns:p14="http://schemas.microsoft.com/office/powerpoint/2010/main" val="121703827"/>
+        <p14:creationId xmlns:p14="http://schemas.microsoft.com/office/powerpoint/2010/main" val="1149589086"/>
       </p:ext>
     </p:extLst>
   </p:cSld>
@@ -6239,6 +5937,36 @@
           <a:chExt cx="0" cy="0"/>
         </a:xfrm>
       </p:grpSpPr>
+      <p:pic>
+        <p:nvPicPr>
+          <p:cNvPr id="4" name="Imagem 3">
+            <a:extLst>
+              <a:ext uri="{FF2B5EF4-FFF2-40B4-BE49-F238E27FC236}">
+                <a16:creationId xmlns:a16="http://schemas.microsoft.com/office/drawing/2014/main" id="{CA9EC8A6-3473-8997-C222-2A3D77067B4E}"/>
+              </a:ext>
+            </a:extLst>
+          </p:cNvPr>
+          <p:cNvPicPr>
+            <a:picLocks noChangeAspect="1"/>
+          </p:cNvPicPr>
+          <p:nvPr/>
+        </p:nvPicPr>
+        <p:blipFill>
+          <a:blip r:embed="rId3"/>
+          <a:stretch>
+            <a:fillRect/>
+          </a:stretch>
+        </p:blipFill>
+        <p:spPr>
+          <a:xfrm>
+            <a:off x="1043608" y="918000"/>
+            <a:ext cx="7776864" cy="4878781"/>
+          </a:xfrm>
+          <a:prstGeom prst="rect">
+            <a:avLst/>
+          </a:prstGeom>
+        </p:spPr>
+      </p:pic>
       <p:sp>
         <p:nvSpPr>
           <p:cNvPr id="2" name="Título 1">
@@ -6305,8 +6033,8 @@
         </p:nvSpPr>
         <p:spPr>
           <a:xfrm>
-            <a:off x="0" y="1052736"/>
-            <a:ext cx="9144000" cy="4824536"/>
+            <a:off x="0" y="918000"/>
+            <a:ext cx="9144000" cy="5940000"/>
           </a:xfrm>
         </p:spPr>
         <p:txBody>
@@ -6315,56 +6043,71 @@
           </a:bodyPr>
           <a:lstStyle/>
           <a:p>
-            <a:pPr algn="just">
-              <a:lnSpc>
-                <a:spcPct val="110000"/>
-              </a:lnSpc>
+            <a:pPr marL="285750" indent="-285750">
               <a:buFont typeface="Wingdings" panose="05000000000000000000" pitchFamily="2" charset="2"/>
               <a:buChar char="Ø"/>
             </a:pPr>
             <a:r>
-              <a:rPr lang="pt-BR" sz="2600" dirty="0">
+              <a:rPr lang="pt-BR" sz="2600" noProof="1">
                 <a:latin typeface="Arial" panose="020B0604020202020204" pitchFamily="34" charset="0"/>
                 <a:cs typeface="Arial" panose="020B0604020202020204" pitchFamily="34" charset="0"/>
               </a:rPr>
-              <a:t>Pressão de Pneus</a:t>
-            </a:r>
-          </a:p>
-          <a:p>
-            <a:pPr algn="just">
-              <a:lnSpc>
-                <a:spcPct val="110000"/>
-              </a:lnSpc>
+              <a:t>Disturbios elétricos</a:t>
+            </a:r>
+          </a:p>
+          <a:p>
+            <a:pPr marL="285750" indent="-285750">
               <a:buFont typeface="Wingdings" panose="05000000000000000000" pitchFamily="2" charset="2"/>
               <a:buChar char="Ø"/>
             </a:pPr>
-            <a:endParaRPr lang="pt-BR" sz="2600" dirty="0">
+            <a:r>
+              <a:rPr lang="pt-BR" sz="2600" noProof="1">
+                <a:latin typeface="Arial" panose="020B0604020202020204" pitchFamily="34" charset="0"/>
+                <a:cs typeface="Arial" panose="020B0604020202020204" pitchFamily="34" charset="0"/>
+              </a:rPr>
+              <a:t>ISO 16750-2</a:t>
+            </a:r>
+          </a:p>
+          <a:p>
+            <a:pPr marL="285750" indent="-285750">
+              <a:buFont typeface="Wingdings" panose="05000000000000000000" pitchFamily="2" charset="2"/>
+              <a:buChar char="Ø"/>
+            </a:pPr>
+            <a:endParaRPr lang="pt-BR" sz="2600" b="1" noProof="1">
+              <a:solidFill>
+                <a:srgbClr val="FF0000"/>
+              </a:solidFill>
               <a:latin typeface="Arial" panose="020B0604020202020204" pitchFamily="34" charset="0"/>
               <a:cs typeface="Arial" panose="020B0604020202020204" pitchFamily="34" charset="0"/>
             </a:endParaRPr>
           </a:p>
           <a:p>
-            <a:pPr algn="just">
-              <a:lnSpc>
-                <a:spcPct val="110000"/>
-              </a:lnSpc>
+            <a:pPr marL="457200" lvl="1" indent="0">
+              <a:buNone/>
+            </a:pPr>
+            <a:endParaRPr lang="pt-BR" sz="2600" b="1" noProof="1">
+              <a:solidFill>
+                <a:srgbClr val="FF0000"/>
+              </a:solidFill>
+              <a:latin typeface="Arial" panose="020B0604020202020204" pitchFamily="34" charset="0"/>
+              <a:cs typeface="Arial" panose="020B0604020202020204" pitchFamily="34" charset="0"/>
+            </a:endParaRPr>
+          </a:p>
+          <a:p>
+            <a:pPr marL="285750" indent="-285750">
               <a:buFont typeface="Wingdings" panose="05000000000000000000" pitchFamily="2" charset="2"/>
               <a:buChar char="Ø"/>
             </a:pPr>
-            <a:endParaRPr lang="pt-BR" sz="2600" dirty="0">
+            <a:endParaRPr lang="pt-BR" sz="2600" noProof="1">
               <a:latin typeface="Arial" panose="020B0604020202020204" pitchFamily="34" charset="0"/>
               <a:cs typeface="Arial" panose="020B0604020202020204" pitchFamily="34" charset="0"/>
             </a:endParaRPr>
           </a:p>
           <a:p>
-            <a:pPr algn="just">
-              <a:lnSpc>
-                <a:spcPct val="110000"/>
-              </a:lnSpc>
-              <a:buFont typeface="Wingdings" panose="05000000000000000000" pitchFamily="2" charset="2"/>
-              <a:buChar char="Ø"/>
+            <a:pPr marL="0" indent="0">
+              <a:buNone/>
             </a:pPr>
-            <a:endParaRPr lang="pt-BR" sz="2600" dirty="0">
+            <a:endParaRPr lang="pt-BR" sz="2600" noProof="1">
               <a:latin typeface="Arial" panose="020B0604020202020204" pitchFamily="34" charset="0"/>
               <a:cs typeface="Arial" panose="020B0604020202020204" pitchFamily="34" charset="0"/>
             </a:endParaRPr>
@@ -6374,7 +6117,7 @@
     </p:spTree>
     <p:extLst>
       <p:ext uri="{BB962C8B-B14F-4D97-AF65-F5344CB8AC3E}">
-        <p14:creationId xmlns:p14="http://schemas.microsoft.com/office/powerpoint/2010/main" val="1085714780"/>
+        <p14:creationId xmlns:p14="http://schemas.microsoft.com/office/powerpoint/2010/main" val="121703827"/>
       </p:ext>
     </p:extLst>
   </p:cSld>
@@ -6441,7 +6184,7 @@
               <a:rPr lang="pt-BR" sz="2800" b="1" cap="all" dirty="0">
                 <a:latin typeface="+mj-lt"/>
               </a:rPr>
-              <a:t>	 fundamentação teórica</a:t>
+              <a:t>	 metodologia</a:t>
             </a:r>
             <a:endParaRPr lang="pt-BR" sz="2800" dirty="0">
               <a:latin typeface="+mj-lt"/>
@@ -6477,53 +6220,202 @@
           </a:bodyPr>
           <a:lstStyle/>
           <a:p>
+            <a:pPr marL="342900" lvl="0" indent="-342900">
+              <a:spcAft>
+                <a:spcPts val="785"/>
+              </a:spcAft>
+              <a:buFont typeface="+mj-lt"/>
+              <a:buAutoNum type="alphaLcParenR"/>
+            </a:pPr>
+            <a:r>
+              <a:rPr lang="pt-BR" sz="2400" dirty="0">
+                <a:solidFill>
+                  <a:srgbClr val="000000"/>
+                </a:solidFill>
+                <a:effectLst/>
+                <a:latin typeface="Arial" panose="020B0604020202020204" pitchFamily="34" charset="0"/>
+                <a:ea typeface="Calibri" panose="020F0502020204030204" pitchFamily="34" charset="0"/>
+              </a:rPr>
+              <a:t>analisar de requisitos do desenvolvimento; </a:t>
+            </a:r>
+          </a:p>
+          <a:p>
+            <a:pPr marL="342900" lvl="0" indent="-342900">
+              <a:spcAft>
+                <a:spcPts val="785"/>
+              </a:spcAft>
+              <a:buFont typeface="+mj-lt"/>
+              <a:buAutoNum type="alphaLcParenR"/>
+            </a:pPr>
+            <a:r>
+              <a:rPr lang="pt-BR" sz="2400" dirty="0">
+                <a:solidFill>
+                  <a:srgbClr val="000000"/>
+                </a:solidFill>
+                <a:effectLst/>
+                <a:latin typeface="Arial" panose="020B0604020202020204" pitchFamily="34" charset="0"/>
+                <a:ea typeface="Calibri" panose="020F0502020204030204" pitchFamily="34" charset="0"/>
+              </a:rPr>
+              <a:t>analisar, componentes mais indicados;</a:t>
+            </a:r>
+          </a:p>
+          <a:p>
+            <a:pPr marL="342900" lvl="0" indent="-342900">
+              <a:spcAft>
+                <a:spcPts val="785"/>
+              </a:spcAft>
+              <a:buFont typeface="+mj-lt"/>
+              <a:buAutoNum type="alphaLcParenR"/>
+            </a:pPr>
+            <a:r>
+              <a:rPr lang="pt-BR" sz="2400" dirty="0">
+                <a:solidFill>
+                  <a:srgbClr val="000000"/>
+                </a:solidFill>
+                <a:effectLst/>
+                <a:latin typeface="Arial" panose="020B0604020202020204" pitchFamily="34" charset="0"/>
+                <a:ea typeface="Calibri" panose="020F0502020204030204" pitchFamily="34" charset="0"/>
+              </a:rPr>
+              <a:t>projetar circuitos; </a:t>
+            </a:r>
+          </a:p>
+          <a:p>
+            <a:pPr marL="342900" lvl="0" indent="-342900">
+              <a:spcAft>
+                <a:spcPts val="785"/>
+              </a:spcAft>
+              <a:buFont typeface="+mj-lt"/>
+              <a:buAutoNum type="alphaLcParenR"/>
+            </a:pPr>
+            <a:r>
+              <a:rPr lang="pt-BR" sz="2400" dirty="0">
+                <a:solidFill>
+                  <a:srgbClr val="000000"/>
+                </a:solidFill>
+                <a:effectLst/>
+                <a:latin typeface="Arial" panose="020B0604020202020204" pitchFamily="34" charset="0"/>
+                <a:ea typeface="Calibri" panose="020F0502020204030204" pitchFamily="34" charset="0"/>
+              </a:rPr>
+              <a:t>desenvolver as placas de circuito impresso;</a:t>
+            </a:r>
+          </a:p>
+          <a:p>
+            <a:pPr marL="342900" lvl="0" indent="-342900">
+              <a:spcAft>
+                <a:spcPts val="785"/>
+              </a:spcAft>
+              <a:buFont typeface="+mj-lt"/>
+              <a:buAutoNum type="alphaLcParenR"/>
+            </a:pPr>
+            <a:r>
+              <a:rPr lang="pt-BR" sz="2400" dirty="0">
+                <a:solidFill>
+                  <a:srgbClr val="000000"/>
+                </a:solidFill>
+                <a:effectLst/>
+                <a:latin typeface="Arial" panose="020B0604020202020204" pitchFamily="34" charset="0"/>
+                <a:ea typeface="Calibri" panose="020F0502020204030204" pitchFamily="34" charset="0"/>
+              </a:rPr>
+              <a:t>levantar a lista de materiais e cotação;</a:t>
+            </a:r>
+          </a:p>
+          <a:p>
+            <a:pPr marL="342900" lvl="0" indent="-342900">
+              <a:spcAft>
+                <a:spcPts val="785"/>
+              </a:spcAft>
+              <a:buFont typeface="+mj-lt"/>
+              <a:buAutoNum type="alphaLcParenR"/>
+            </a:pPr>
+            <a:r>
+              <a:rPr lang="pt-BR" sz="2400" dirty="0">
+                <a:solidFill>
+                  <a:srgbClr val="000000"/>
+                </a:solidFill>
+                <a:effectLst/>
+                <a:latin typeface="Arial" panose="020B0604020202020204" pitchFamily="34" charset="0"/>
+                <a:ea typeface="Calibri" panose="020F0502020204030204" pitchFamily="34" charset="0"/>
+              </a:rPr>
+              <a:t>montar de protótipos; </a:t>
+            </a:r>
+          </a:p>
+          <a:p>
+            <a:pPr marL="342900" lvl="0" indent="-342900">
+              <a:spcAft>
+                <a:spcPts val="785"/>
+              </a:spcAft>
+              <a:buFont typeface="+mj-lt"/>
+              <a:buAutoNum type="alphaLcParenR"/>
+            </a:pPr>
+            <a:r>
+              <a:rPr lang="pt-BR" sz="2400" dirty="0">
+                <a:solidFill>
+                  <a:srgbClr val="000000"/>
+                </a:solidFill>
+                <a:effectLst/>
+                <a:latin typeface="Arial" panose="020B0604020202020204" pitchFamily="34" charset="0"/>
+                <a:ea typeface="Calibri" panose="020F0502020204030204" pitchFamily="34" charset="0"/>
+              </a:rPr>
+              <a:t>desenvolver os firmwares de controle; </a:t>
+            </a:r>
+          </a:p>
+          <a:p>
+            <a:pPr marL="342900" lvl="0" indent="-342900">
+              <a:spcAft>
+                <a:spcPts val="785"/>
+              </a:spcAft>
+              <a:buFont typeface="+mj-lt"/>
+              <a:buAutoNum type="alphaLcParenR"/>
+            </a:pPr>
+            <a:r>
+              <a:rPr lang="pt-BR" sz="2400" dirty="0">
+                <a:solidFill>
+                  <a:srgbClr val="000000"/>
+                </a:solidFill>
+                <a:effectLst/>
+                <a:latin typeface="Arial" panose="020B0604020202020204" pitchFamily="34" charset="0"/>
+                <a:ea typeface="Calibri" panose="020F0502020204030204" pitchFamily="34" charset="0"/>
+              </a:rPr>
+              <a:t>integrar ao sistema multiplex LOHR;</a:t>
+            </a:r>
+          </a:p>
+          <a:p>
+            <a:pPr marL="342900" lvl="0" indent="-342900">
+              <a:spcAft>
+                <a:spcPts val="785"/>
+              </a:spcAft>
+              <a:buFont typeface="+mj-lt"/>
+              <a:buAutoNum type="alphaLcParenR"/>
+            </a:pPr>
+            <a:r>
+              <a:rPr lang="pt-BR" sz="2400" dirty="0">
+                <a:solidFill>
+                  <a:srgbClr val="000000"/>
+                </a:solidFill>
+                <a:effectLst/>
+                <a:latin typeface="Arial" panose="020B0604020202020204" pitchFamily="34" charset="0"/>
+                <a:ea typeface="Calibri" panose="020F0502020204030204" pitchFamily="34" charset="0"/>
+              </a:rPr>
+              <a:t>testar o sistema de monitoramento;</a:t>
+            </a:r>
+          </a:p>
+          <a:p>
             <a:pPr algn="just">
               <a:lnSpc>
                 <a:spcPct val="110000"/>
               </a:lnSpc>
-              <a:buFont typeface="Wingdings" panose="05000000000000000000" pitchFamily="2" charset="2"/>
-              <a:buChar char="Ø"/>
             </a:pPr>
-            <a:r>
-              <a:rPr lang="pt-BR" sz="2600" dirty="0">
-                <a:latin typeface="Arial" panose="020B0604020202020204" pitchFamily="34" charset="0"/>
-                <a:cs typeface="Arial" panose="020B0604020202020204" pitchFamily="34" charset="0"/>
-              </a:rPr>
-              <a:t>Principais circuitos eletrônicos a serem utilizados </a:t>
-            </a:r>
-          </a:p>
-          <a:p>
-            <a:pPr algn="just">
-              <a:lnSpc>
-                <a:spcPct val="110000"/>
-              </a:lnSpc>
-              <a:buFont typeface="Wingdings" panose="05000000000000000000" pitchFamily="2" charset="2"/>
-              <a:buChar char="Ø"/>
-            </a:pPr>
-            <a:endParaRPr lang="pt-BR" sz="2600" dirty="0">
+            <a:endParaRPr lang="pt-BR" sz="2000" dirty="0">
               <a:latin typeface="Arial" panose="020B0604020202020204" pitchFamily="34" charset="0"/>
               <a:cs typeface="Arial" panose="020B0604020202020204" pitchFamily="34" charset="0"/>
             </a:endParaRPr>
           </a:p>
-          <a:p>
-            <a:pPr algn="just">
-              <a:lnSpc>
-                <a:spcPct val="110000"/>
-              </a:lnSpc>
-              <a:buFont typeface="Wingdings" panose="05000000000000000000" pitchFamily="2" charset="2"/>
-              <a:buChar char="Ø"/>
-            </a:pPr>
-            <a:endParaRPr lang="pt-BR" sz="2600" dirty="0">
-              <a:latin typeface="Arial" panose="020B0604020202020204" pitchFamily="34" charset="0"/>
-              <a:cs typeface="Arial" panose="020B0604020202020204" pitchFamily="34" charset="0"/>
-            </a:endParaRPr>
-          </a:p>
         </p:txBody>
       </p:sp>
     </p:spTree>
     <p:extLst>
       <p:ext uri="{BB962C8B-B14F-4D97-AF65-F5344CB8AC3E}">
-        <p14:creationId xmlns:p14="http://schemas.microsoft.com/office/powerpoint/2010/main" val="1441955814"/>
+        <p14:creationId xmlns:p14="http://schemas.microsoft.com/office/powerpoint/2010/main" val="2382363849"/>
       </p:ext>
     </p:extLst>
   </p:cSld>
@@ -6590,7 +6482,7 @@
               <a:rPr lang="pt-BR" sz="2800" b="1" cap="all" dirty="0">
                 <a:latin typeface="+mj-lt"/>
               </a:rPr>
-              <a:t>	 fundamentação teórica</a:t>
+              <a:t>	 considerações finais</a:t>
             </a:r>
             <a:endParaRPr lang="pt-BR" sz="2800" dirty="0">
               <a:latin typeface="+mj-lt"/>
@@ -6616,8 +6508,8 @@
         </p:nvSpPr>
         <p:spPr>
           <a:xfrm>
-            <a:off x="0" y="1124744"/>
-            <a:ext cx="9144000" cy="5616624"/>
+            <a:off x="0" y="1052736"/>
+            <a:ext cx="9144000" cy="4824536"/>
           </a:xfrm>
         </p:spPr>
         <p:txBody>
@@ -6626,344 +6518,22 @@
           </a:bodyPr>
           <a:lstStyle/>
           <a:p>
-            <a:pPr marL="285750" indent="-285750">
-              <a:buFont typeface="Wingdings" panose="05000000000000000000" pitchFamily="2" charset="2"/>
-              <a:buChar char="Ø"/>
+            <a:pPr algn="just">
+              <a:lnSpc>
+                <a:spcPct val="110000"/>
+              </a:lnSpc>
             </a:pPr>
-            <a:r>
-              <a:rPr lang="pt-BR" sz="2600" noProof="1">
-                <a:latin typeface="Arial" panose="020B0604020202020204" pitchFamily="34" charset="0"/>
-                <a:cs typeface="Arial" panose="020B0604020202020204" pitchFamily="34" charset="0"/>
-              </a:rPr>
-              <a:t>Mercado: Sistema K2on</a:t>
-            </a:r>
-          </a:p>
-          <a:p>
-            <a:pPr marL="285750" indent="-285750">
-              <a:buFont typeface="Wingdings" panose="05000000000000000000" pitchFamily="2" charset="2"/>
-              <a:buChar char="Ø"/>
-            </a:pPr>
-            <a:endParaRPr lang="pt-BR" sz="2600" b="1" noProof="1">
+            <a:endParaRPr lang="pt-BR" sz="2000" dirty="0">
               <a:latin typeface="Arial" panose="020B0604020202020204" pitchFamily="34" charset="0"/>
               <a:cs typeface="Arial" panose="020B0604020202020204" pitchFamily="34" charset="0"/>
             </a:endParaRPr>
           </a:p>
-          <a:p>
-            <a:pPr marL="285750" indent="-285750">
-              <a:buFont typeface="Wingdings" panose="05000000000000000000" pitchFamily="2" charset="2"/>
-              <a:buChar char="Ø"/>
-            </a:pPr>
-            <a:endParaRPr lang="pt-BR" sz="2600" b="1" noProof="1">
-              <a:latin typeface="Arial" panose="020B0604020202020204" pitchFamily="34" charset="0"/>
-              <a:cs typeface="Arial" panose="020B0604020202020204" pitchFamily="34" charset="0"/>
-            </a:endParaRPr>
-          </a:p>
-          <a:p>
-            <a:pPr marL="0" indent="0">
-              <a:buNone/>
-            </a:pPr>
-            <a:endParaRPr lang="pt-BR" sz="2600" noProof="1">
-              <a:latin typeface="Arial" panose="020B0604020202020204" pitchFamily="34" charset="0"/>
-              <a:cs typeface="Arial" panose="020B0604020202020204" pitchFamily="34" charset="0"/>
-            </a:endParaRPr>
-          </a:p>
-        </p:txBody>
-      </p:sp>
-      <p:sp>
-        <p:nvSpPr>
-          <p:cNvPr id="6" name="CaixaDeTexto 5">
-            <a:extLst>
-              <a:ext uri="{FF2B5EF4-FFF2-40B4-BE49-F238E27FC236}">
-                <a16:creationId xmlns:a16="http://schemas.microsoft.com/office/drawing/2014/main" id="{7B215059-62C9-DA91-F8C8-80F25B7BA0F5}"/>
-              </a:ext>
-            </a:extLst>
-          </p:cNvPr>
-          <p:cNvSpPr txBox="1"/>
-          <p:nvPr/>
-        </p:nvSpPr>
-        <p:spPr>
-          <a:xfrm>
-            <a:off x="-397" y="6369448"/>
-            <a:ext cx="9144000" cy="369332"/>
-          </a:xfrm>
-          <a:prstGeom prst="rect">
-            <a:avLst/>
-          </a:prstGeom>
-          <a:noFill/>
-        </p:spPr>
-        <p:txBody>
-          <a:bodyPr wrap="square" rtlCol="0">
-            <a:spAutoFit/>
-          </a:bodyPr>
-          <a:lstStyle/>
-          <a:p>
-            <a:pPr algn="ctr"/>
-            <a:r>
-              <a:rPr lang="fr-FR" sz="1800" b="0" i="0" u="none" strike="noStrike" baseline="0" dirty="0">
-                <a:latin typeface="Arial" panose="020B0604020202020204" pitchFamily="34" charset="0"/>
-              </a:rPr>
-              <a:t>Fonte: K2on</a:t>
-            </a:r>
-            <a:endParaRPr lang="pt-BR" dirty="0"/>
-          </a:p>
-        </p:txBody>
-      </p:sp>
-      <p:pic>
-        <p:nvPicPr>
-          <p:cNvPr id="15" name="Imagem 14">
-            <a:extLst>
-              <a:ext uri="{FF2B5EF4-FFF2-40B4-BE49-F238E27FC236}">
-                <a16:creationId xmlns:a16="http://schemas.microsoft.com/office/drawing/2014/main" id="{461CFBBE-21C4-9CFD-DFCA-EF9460CC29D3}"/>
-              </a:ext>
-            </a:extLst>
-          </p:cNvPr>
-          <p:cNvPicPr>
-            <a:picLocks noChangeAspect="1"/>
-          </p:cNvPicPr>
-          <p:nvPr/>
-        </p:nvPicPr>
-        <p:blipFill>
-          <a:blip r:embed="rId3"/>
-          <a:stretch>
-            <a:fillRect/>
-          </a:stretch>
-        </p:blipFill>
-        <p:spPr>
-          <a:xfrm>
-            <a:off x="5940152" y="3573016"/>
-            <a:ext cx="952633" cy="1461290"/>
-          </a:xfrm>
-          <a:prstGeom prst="rect">
-            <a:avLst/>
-          </a:prstGeom>
-        </p:spPr>
-      </p:pic>
-      <p:pic>
-        <p:nvPicPr>
-          <p:cNvPr id="21" name="Imagem 20">
-            <a:extLst>
-              <a:ext uri="{FF2B5EF4-FFF2-40B4-BE49-F238E27FC236}">
-                <a16:creationId xmlns:a16="http://schemas.microsoft.com/office/drawing/2014/main" id="{6F7B48F4-E53A-8EBD-DA8D-7BD45E88C861}"/>
-              </a:ext>
-            </a:extLst>
-          </p:cNvPr>
-          <p:cNvPicPr>
-            <a:picLocks noChangeAspect="1"/>
-          </p:cNvPicPr>
-          <p:nvPr/>
-        </p:nvPicPr>
-        <p:blipFill>
-          <a:blip r:embed="rId4"/>
-          <a:stretch>
-            <a:fillRect/>
-          </a:stretch>
-        </p:blipFill>
-        <p:spPr>
-          <a:xfrm>
-            <a:off x="7259706" y="4022003"/>
-            <a:ext cx="1207840" cy="1012302"/>
-          </a:xfrm>
-          <a:prstGeom prst="rect">
-            <a:avLst/>
-          </a:prstGeom>
-        </p:spPr>
-      </p:pic>
-      <p:pic>
-        <p:nvPicPr>
-          <p:cNvPr id="23" name="Imagem 22">
-            <a:extLst>
-              <a:ext uri="{FF2B5EF4-FFF2-40B4-BE49-F238E27FC236}">
-                <a16:creationId xmlns:a16="http://schemas.microsoft.com/office/drawing/2014/main" id="{0B5658EE-94B7-B6CE-A736-EC958413B523}"/>
-              </a:ext>
-            </a:extLst>
-          </p:cNvPr>
-          <p:cNvPicPr>
-            <a:picLocks noChangeAspect="1"/>
-          </p:cNvPicPr>
-          <p:nvPr/>
-        </p:nvPicPr>
-        <p:blipFill>
-          <a:blip r:embed="rId5"/>
-          <a:stretch>
-            <a:fillRect/>
-          </a:stretch>
-        </p:blipFill>
-        <p:spPr>
-          <a:xfrm>
-            <a:off x="5940152" y="2098565"/>
-            <a:ext cx="2527394" cy="806880"/>
-          </a:xfrm>
-          <a:prstGeom prst="rect">
-            <a:avLst/>
-          </a:prstGeom>
-        </p:spPr>
-      </p:pic>
-      <p:sp>
-        <p:nvSpPr>
-          <p:cNvPr id="24" name="CaixaDeTexto 23">
-            <a:extLst>
-              <a:ext uri="{FF2B5EF4-FFF2-40B4-BE49-F238E27FC236}">
-                <a16:creationId xmlns:a16="http://schemas.microsoft.com/office/drawing/2014/main" id="{C3CC96C7-4E12-4620-4236-413EE24A5FE2}"/>
-              </a:ext>
-            </a:extLst>
-          </p:cNvPr>
-          <p:cNvSpPr txBox="1"/>
-          <p:nvPr/>
-        </p:nvSpPr>
-        <p:spPr>
-          <a:xfrm>
-            <a:off x="5558670" y="5205708"/>
-            <a:ext cx="3402072" cy="369332"/>
-          </a:xfrm>
-          <a:prstGeom prst="rect">
-            <a:avLst/>
-          </a:prstGeom>
-          <a:noFill/>
-        </p:spPr>
-        <p:txBody>
-          <a:bodyPr wrap="square" rtlCol="0">
-            <a:spAutoFit/>
-          </a:bodyPr>
-          <a:lstStyle/>
-          <a:p>
-            <a:pPr algn="ctr"/>
-            <a:r>
-              <a:rPr lang="fr-FR" sz="1800" b="0" i="0" u="none" strike="noStrike" baseline="0" dirty="0">
-                <a:latin typeface="Arial" panose="020B0604020202020204" pitchFamily="34" charset="0"/>
-              </a:rPr>
-              <a:t>Sensores Externos</a:t>
-            </a:r>
-            <a:endParaRPr lang="pt-BR" dirty="0"/>
-          </a:p>
-        </p:txBody>
-      </p:sp>
-      <p:sp>
-        <p:nvSpPr>
-          <p:cNvPr id="25" name="CaixaDeTexto 24">
-            <a:extLst>
-              <a:ext uri="{FF2B5EF4-FFF2-40B4-BE49-F238E27FC236}">
-                <a16:creationId xmlns:a16="http://schemas.microsoft.com/office/drawing/2014/main" id="{2DA87478-955B-942A-35ED-661946068F42}"/>
-              </a:ext>
-            </a:extLst>
-          </p:cNvPr>
-          <p:cNvSpPr txBox="1"/>
-          <p:nvPr/>
-        </p:nvSpPr>
-        <p:spPr>
-          <a:xfrm>
-            <a:off x="5197126" y="2991146"/>
-            <a:ext cx="3763616" cy="369332"/>
-          </a:xfrm>
-          <a:prstGeom prst="rect">
-            <a:avLst/>
-          </a:prstGeom>
-          <a:noFill/>
-        </p:spPr>
-        <p:txBody>
-          <a:bodyPr wrap="square" rtlCol="0">
-            <a:spAutoFit/>
-          </a:bodyPr>
-          <a:lstStyle/>
-          <a:p>
-            <a:pPr algn="ctr"/>
-            <a:r>
-              <a:rPr lang="fr-FR" sz="1800" b="0" i="0" u="none" strike="noStrike" baseline="0" dirty="0">
-                <a:latin typeface="Arial" panose="020B0604020202020204" pitchFamily="34" charset="0"/>
-              </a:rPr>
-              <a:t>Sensor Interno</a:t>
-            </a:r>
-            <a:endParaRPr lang="pt-BR" dirty="0"/>
-          </a:p>
-        </p:txBody>
-      </p:sp>
-      <p:pic>
-        <p:nvPicPr>
-          <p:cNvPr id="1028" name="Picture 4">
-            <a:extLst>
-              <a:ext uri="{FF2B5EF4-FFF2-40B4-BE49-F238E27FC236}">
-                <a16:creationId xmlns:a16="http://schemas.microsoft.com/office/drawing/2014/main" id="{B2418C0C-BC54-4E7C-EB7C-5AADD30DD43B}"/>
-              </a:ext>
-            </a:extLst>
-          </p:cNvPr>
-          <p:cNvPicPr>
-            <a:picLocks noChangeAspect="1" noChangeArrowheads="1"/>
-          </p:cNvPicPr>
-          <p:nvPr/>
-        </p:nvPicPr>
-        <p:blipFill rotWithShape="1">
-          <a:blip r:embed="rId6">
-            <a:extLst>
-              <a:ext uri="{28A0092B-C50C-407E-A947-70E740481C1C}">
-                <a14:useLocalDpi xmlns:a14="http://schemas.microsoft.com/office/drawing/2010/main" val="0"/>
-              </a:ext>
-            </a:extLst>
-          </a:blip>
-          <a:srcRect l="4383" t="16608" r="6455" b="20665"/>
-          <a:stretch/>
-        </p:blipFill>
-        <p:spPr bwMode="auto">
-          <a:xfrm>
-            <a:off x="217671" y="1652817"/>
-            <a:ext cx="4854650" cy="3415322"/>
-          </a:xfrm>
-          <a:prstGeom prst="rect">
-            <a:avLst/>
-          </a:prstGeom>
-          <a:noFill/>
-          <a:extLst>
-            <a:ext uri="{909E8E84-426E-40DD-AFC4-6F175D3DCCD1}">
-              <a14:hiddenFill xmlns:a14="http://schemas.microsoft.com/office/drawing/2010/main">
-                <a:solidFill>
-                  <a:srgbClr val="FFFFFF"/>
-                </a:solidFill>
-              </a14:hiddenFill>
-            </a:ext>
-          </a:extLst>
-        </p:spPr>
-      </p:pic>
-      <p:sp>
-        <p:nvSpPr>
-          <p:cNvPr id="28" name="CaixaDeTexto 27">
-            <a:extLst>
-              <a:ext uri="{FF2B5EF4-FFF2-40B4-BE49-F238E27FC236}">
-                <a16:creationId xmlns:a16="http://schemas.microsoft.com/office/drawing/2014/main" id="{1756F93E-5A46-0169-6960-E97258352719}"/>
-              </a:ext>
-            </a:extLst>
-          </p:cNvPr>
-          <p:cNvSpPr txBox="1"/>
-          <p:nvPr/>
-        </p:nvSpPr>
-        <p:spPr>
-          <a:xfrm>
-            <a:off x="683568" y="5226880"/>
-            <a:ext cx="3763616" cy="369332"/>
-          </a:xfrm>
-          <a:prstGeom prst="rect">
-            <a:avLst/>
-          </a:prstGeom>
-          <a:noFill/>
-        </p:spPr>
-        <p:txBody>
-          <a:bodyPr wrap="square" rtlCol="0">
-            <a:spAutoFit/>
-          </a:bodyPr>
-          <a:lstStyle/>
-          <a:p>
-            <a:pPr algn="ctr"/>
-            <a:r>
-              <a:rPr lang="fr-FR" sz="1800" b="0" i="0" u="none" strike="noStrike" baseline="0" dirty="0">
-                <a:latin typeface="Arial" panose="020B0604020202020204" pitchFamily="34" charset="0"/>
-              </a:rPr>
-              <a:t>IHM e Recpetor</a:t>
-            </a:r>
-            <a:endParaRPr lang="pt-BR" dirty="0"/>
-          </a:p>
         </p:txBody>
       </p:sp>
     </p:spTree>
     <p:extLst>
       <p:ext uri="{BB962C8B-B14F-4D97-AF65-F5344CB8AC3E}">
-        <p14:creationId xmlns:p14="http://schemas.microsoft.com/office/powerpoint/2010/main" val="388436055"/>
+        <p14:creationId xmlns:p14="http://schemas.microsoft.com/office/powerpoint/2010/main" val="223595988"/>
       </p:ext>
     </p:extLst>
   </p:cSld>
@@ -7030,7 +6600,7 @@
               <a:rPr lang="pt-BR" sz="2800" b="1" cap="all" dirty="0">
                 <a:latin typeface="+mj-lt"/>
               </a:rPr>
-              <a:t>	 metodologia</a:t>
+              <a:t>	Referência Bibliográficas</a:t>
             </a:r>
             <a:endParaRPr lang="pt-BR" sz="2800" dirty="0">
               <a:latin typeface="+mj-lt"/>
@@ -7071,414 +6641,27 @@
                 <a:spcPct val="110000"/>
               </a:lnSpc>
             </a:pPr>
-            <a:endParaRPr lang="pt-BR" sz="2000" dirty="0">
-              <a:latin typeface="Arial" panose="020B0604020202020204" pitchFamily="34" charset="0"/>
-              <a:cs typeface="Arial" panose="020B0604020202020204" pitchFamily="34" charset="0"/>
-            </a:endParaRPr>
-          </a:p>
-        </p:txBody>
-      </p:sp>
-    </p:spTree>
-    <p:extLst>
-      <p:ext uri="{BB962C8B-B14F-4D97-AF65-F5344CB8AC3E}">
-        <p14:creationId xmlns:p14="http://schemas.microsoft.com/office/powerpoint/2010/main" val="4101658825"/>
-      </p:ext>
-    </p:extLst>
-  </p:cSld>
-  <p:clrMapOvr>
-    <a:masterClrMapping/>
-  </p:clrMapOvr>
-</p:sld>
-</file>
-
-<file path=ppt/slides/slide15.xml><?xml version="1.0" encoding="utf-8"?>
-<p:sld xmlns:a="http://schemas.openxmlformats.org/drawingml/2006/main" xmlns:r="http://schemas.openxmlformats.org/officeDocument/2006/relationships" xmlns:p="http://schemas.openxmlformats.org/presentationml/2006/main">
-  <p:cSld>
-    <p:spTree>
-      <p:nvGrpSpPr>
-        <p:cNvPr id="1" name=""/>
-        <p:cNvGrpSpPr/>
-        <p:nvPr/>
-      </p:nvGrpSpPr>
-      <p:grpSpPr>
-        <a:xfrm>
-          <a:off x="0" y="0"/>
-          <a:ext cx="0" cy="0"/>
-          <a:chOff x="0" y="0"/>
-          <a:chExt cx="0" cy="0"/>
-        </a:xfrm>
-      </p:grpSpPr>
-      <p:sp>
-        <p:nvSpPr>
-          <p:cNvPr id="2" name="Título 1">
-            <a:extLst>
-              <a:ext uri="{FF2B5EF4-FFF2-40B4-BE49-F238E27FC236}">
-                <a16:creationId xmlns:a16="http://schemas.microsoft.com/office/drawing/2014/main" id="{771F72C5-6329-458E-8EF9-431F9424950C}"/>
-              </a:ext>
-            </a:extLst>
-          </p:cNvPr>
-          <p:cNvSpPr>
-            <a:spLocks noGrp="1"/>
-          </p:cNvSpPr>
-          <p:nvPr>
-            <p:ph type="title"/>
-          </p:nvPr>
-        </p:nvSpPr>
-        <p:spPr>
-          <a:xfrm>
-            <a:off x="0" y="0"/>
-            <a:ext cx="9144000" cy="692696"/>
-          </a:xfrm>
-        </p:spPr>
-        <p:txBody>
-          <a:bodyPr>
-            <a:noAutofit/>
-          </a:bodyPr>
-          <a:lstStyle/>
-          <a:p>
-            <a:pPr lvl="1" defTabSz="534988">
-              <a:tabLst>
-                <a:tab pos="360363" algn="l"/>
-              </a:tabLst>
-            </a:pPr>
-            <a:br>
-              <a:rPr lang="pt-BR" sz="2400" b="1" cap="all" dirty="0"/>
-            </a:br>
-            <a:r>
-              <a:rPr lang="pt-BR" sz="2800" b="1" cap="all" dirty="0">
-                <a:latin typeface="+mj-lt"/>
-              </a:rPr>
-              <a:t>	 metodologia</a:t>
-            </a:r>
-            <a:endParaRPr lang="pt-BR" sz="2800" dirty="0">
-              <a:latin typeface="+mj-lt"/>
-            </a:endParaRPr>
-          </a:p>
-        </p:txBody>
-      </p:sp>
-      <p:sp>
-        <p:nvSpPr>
-          <p:cNvPr id="5" name="Espaço Reservado para Conteúdo 4">
-            <a:extLst>
-              <a:ext uri="{FF2B5EF4-FFF2-40B4-BE49-F238E27FC236}">
-                <a16:creationId xmlns:a16="http://schemas.microsoft.com/office/drawing/2014/main" id="{39C09407-8DE0-4947-BE91-C74FB2E16B63}"/>
-              </a:ext>
-            </a:extLst>
-          </p:cNvPr>
-          <p:cNvSpPr>
-            <a:spLocks noGrp="1"/>
-          </p:cNvSpPr>
-          <p:nvPr>
-            <p:ph idx="1"/>
-          </p:nvPr>
-        </p:nvSpPr>
-        <p:spPr>
-          <a:xfrm>
-            <a:off x="0" y="1052736"/>
-            <a:ext cx="9144000" cy="4824536"/>
-          </a:xfrm>
-        </p:spPr>
-        <p:txBody>
-          <a:bodyPr>
-            <a:noAutofit/>
-          </a:bodyPr>
-          <a:lstStyle/>
-          <a:p>
-            <a:pPr algn="just">
-              <a:lnSpc>
-                <a:spcPct val="110000"/>
-              </a:lnSpc>
-            </a:pPr>
-            <a:endParaRPr lang="pt-BR" sz="2000" dirty="0">
-              <a:latin typeface="Arial" panose="020B0604020202020204" pitchFamily="34" charset="0"/>
-              <a:cs typeface="Arial" panose="020B0604020202020204" pitchFamily="34" charset="0"/>
-            </a:endParaRPr>
-          </a:p>
-        </p:txBody>
-      </p:sp>
-    </p:spTree>
-    <p:extLst>
-      <p:ext uri="{BB962C8B-B14F-4D97-AF65-F5344CB8AC3E}">
-        <p14:creationId xmlns:p14="http://schemas.microsoft.com/office/powerpoint/2010/main" val="2382363849"/>
-      </p:ext>
-    </p:extLst>
-  </p:cSld>
-  <p:clrMapOvr>
-    <a:masterClrMapping/>
-  </p:clrMapOvr>
-</p:sld>
-</file>
-
-<file path=ppt/slides/slide16.xml><?xml version="1.0" encoding="utf-8"?>
-<p:sld xmlns:a="http://schemas.openxmlformats.org/drawingml/2006/main" xmlns:r="http://schemas.openxmlformats.org/officeDocument/2006/relationships" xmlns:p="http://schemas.openxmlformats.org/presentationml/2006/main">
-  <p:cSld>
-    <p:spTree>
-      <p:nvGrpSpPr>
-        <p:cNvPr id="1" name=""/>
-        <p:cNvGrpSpPr/>
-        <p:nvPr/>
-      </p:nvGrpSpPr>
-      <p:grpSpPr>
-        <a:xfrm>
-          <a:off x="0" y="0"/>
-          <a:ext cx="0" cy="0"/>
-          <a:chOff x="0" y="0"/>
-          <a:chExt cx="0" cy="0"/>
-        </a:xfrm>
-      </p:grpSpPr>
-      <p:sp>
-        <p:nvSpPr>
-          <p:cNvPr id="2" name="Título 1">
-            <a:extLst>
-              <a:ext uri="{FF2B5EF4-FFF2-40B4-BE49-F238E27FC236}">
-                <a16:creationId xmlns:a16="http://schemas.microsoft.com/office/drawing/2014/main" id="{771F72C5-6329-458E-8EF9-431F9424950C}"/>
-              </a:ext>
-            </a:extLst>
-          </p:cNvPr>
-          <p:cNvSpPr>
-            <a:spLocks noGrp="1"/>
-          </p:cNvSpPr>
-          <p:nvPr>
-            <p:ph type="title"/>
-          </p:nvPr>
-        </p:nvSpPr>
-        <p:spPr>
-          <a:xfrm>
-            <a:off x="0" y="0"/>
-            <a:ext cx="9144000" cy="692696"/>
-          </a:xfrm>
-        </p:spPr>
-        <p:txBody>
-          <a:bodyPr>
-            <a:noAutofit/>
-          </a:bodyPr>
-          <a:lstStyle/>
-          <a:p>
-            <a:pPr lvl="1" defTabSz="534988">
-              <a:tabLst>
-                <a:tab pos="360363" algn="l"/>
-              </a:tabLst>
-            </a:pPr>
-            <a:br>
-              <a:rPr lang="pt-BR" sz="2400" b="1" cap="all" dirty="0"/>
-            </a:br>
-            <a:r>
-              <a:rPr lang="pt-BR" sz="2800" b="1" cap="all" dirty="0">
-                <a:latin typeface="+mj-lt"/>
-              </a:rPr>
-              <a:t>	 considerações finais</a:t>
-            </a:r>
-            <a:endParaRPr lang="pt-BR" sz="2800" dirty="0">
-              <a:latin typeface="+mj-lt"/>
-            </a:endParaRPr>
-          </a:p>
-        </p:txBody>
-      </p:sp>
-      <p:sp>
-        <p:nvSpPr>
-          <p:cNvPr id="5" name="Espaço Reservado para Conteúdo 4">
-            <a:extLst>
-              <a:ext uri="{FF2B5EF4-FFF2-40B4-BE49-F238E27FC236}">
-                <a16:creationId xmlns:a16="http://schemas.microsoft.com/office/drawing/2014/main" id="{39C09407-8DE0-4947-BE91-C74FB2E16B63}"/>
-              </a:ext>
-            </a:extLst>
-          </p:cNvPr>
-          <p:cNvSpPr>
-            <a:spLocks noGrp="1"/>
-          </p:cNvSpPr>
-          <p:nvPr>
-            <p:ph idx="1"/>
-          </p:nvPr>
-        </p:nvSpPr>
-        <p:spPr>
-          <a:xfrm>
-            <a:off x="0" y="1052736"/>
-            <a:ext cx="9144000" cy="4824536"/>
-          </a:xfrm>
-        </p:spPr>
-        <p:txBody>
-          <a:bodyPr>
-            <a:noAutofit/>
-          </a:bodyPr>
-          <a:lstStyle/>
-          <a:p>
-            <a:pPr algn="just">
-              <a:lnSpc>
-                <a:spcPct val="110000"/>
-              </a:lnSpc>
-            </a:pPr>
-            <a:endParaRPr lang="pt-BR" sz="2000" dirty="0">
-              <a:latin typeface="Arial" panose="020B0604020202020204" pitchFamily="34" charset="0"/>
-              <a:cs typeface="Arial" panose="020B0604020202020204" pitchFamily="34" charset="0"/>
-            </a:endParaRPr>
-          </a:p>
-        </p:txBody>
-      </p:sp>
-    </p:spTree>
-    <p:extLst>
-      <p:ext uri="{BB962C8B-B14F-4D97-AF65-F5344CB8AC3E}">
-        <p14:creationId xmlns:p14="http://schemas.microsoft.com/office/powerpoint/2010/main" val="223595988"/>
-      </p:ext>
-    </p:extLst>
-  </p:cSld>
-  <p:clrMapOvr>
-    <a:masterClrMapping/>
-  </p:clrMapOvr>
-</p:sld>
-</file>
-
-<file path=ppt/slides/slide17.xml><?xml version="1.0" encoding="utf-8"?>
-<p:sld xmlns:a="http://schemas.openxmlformats.org/drawingml/2006/main" xmlns:r="http://schemas.openxmlformats.org/officeDocument/2006/relationships" xmlns:p="http://schemas.openxmlformats.org/presentationml/2006/main">
-  <p:cSld>
-    <p:spTree>
-      <p:nvGrpSpPr>
-        <p:cNvPr id="1" name=""/>
-        <p:cNvGrpSpPr/>
-        <p:nvPr/>
-      </p:nvGrpSpPr>
-      <p:grpSpPr>
-        <a:xfrm>
-          <a:off x="0" y="0"/>
-          <a:ext cx="0" cy="0"/>
-          <a:chOff x="0" y="0"/>
-          <a:chExt cx="0" cy="0"/>
-        </a:xfrm>
-      </p:grpSpPr>
-      <p:sp>
-        <p:nvSpPr>
-          <p:cNvPr id="2" name="Título 1">
-            <a:extLst>
-              <a:ext uri="{FF2B5EF4-FFF2-40B4-BE49-F238E27FC236}">
-                <a16:creationId xmlns:a16="http://schemas.microsoft.com/office/drawing/2014/main" id="{771F72C5-6329-458E-8EF9-431F9424950C}"/>
-              </a:ext>
-            </a:extLst>
-          </p:cNvPr>
-          <p:cNvSpPr>
-            <a:spLocks noGrp="1"/>
-          </p:cNvSpPr>
-          <p:nvPr>
-            <p:ph type="title"/>
-          </p:nvPr>
-        </p:nvSpPr>
-        <p:spPr>
-          <a:xfrm>
-            <a:off x="0" y="0"/>
-            <a:ext cx="9144000" cy="692696"/>
-          </a:xfrm>
-        </p:spPr>
-        <p:txBody>
-          <a:bodyPr>
-            <a:noAutofit/>
-          </a:bodyPr>
-          <a:lstStyle/>
-          <a:p>
-            <a:pPr lvl="1" defTabSz="534988">
-              <a:tabLst>
-                <a:tab pos="360363" algn="l"/>
-              </a:tabLst>
-            </a:pPr>
-            <a:br>
-              <a:rPr lang="pt-BR" sz="2400" b="1" cap="all" dirty="0"/>
-            </a:br>
-            <a:r>
-              <a:rPr lang="pt-BR" sz="2800" b="1" cap="all" dirty="0">
-                <a:latin typeface="+mj-lt"/>
-              </a:rPr>
-              <a:t>	Referência Bibliográficas</a:t>
-            </a:r>
-            <a:endParaRPr lang="pt-BR" sz="2800" dirty="0">
-              <a:latin typeface="+mj-lt"/>
-            </a:endParaRPr>
-          </a:p>
-        </p:txBody>
-      </p:sp>
-      <p:sp>
-        <p:nvSpPr>
-          <p:cNvPr id="5" name="Espaço Reservado para Conteúdo 4">
-            <a:extLst>
-              <a:ext uri="{FF2B5EF4-FFF2-40B4-BE49-F238E27FC236}">
-                <a16:creationId xmlns:a16="http://schemas.microsoft.com/office/drawing/2014/main" id="{39C09407-8DE0-4947-BE91-C74FB2E16B63}"/>
-              </a:ext>
-            </a:extLst>
-          </p:cNvPr>
-          <p:cNvSpPr>
-            <a:spLocks noGrp="1"/>
-          </p:cNvSpPr>
-          <p:nvPr>
-            <p:ph idx="1"/>
-          </p:nvPr>
-        </p:nvSpPr>
-        <p:spPr>
-          <a:xfrm>
-            <a:off x="0" y="1052736"/>
-            <a:ext cx="9144000" cy="4824536"/>
-          </a:xfrm>
-        </p:spPr>
-        <p:txBody>
-          <a:bodyPr>
-            <a:noAutofit/>
-          </a:bodyPr>
-          <a:lstStyle/>
-          <a:p>
-            <a:pPr algn="just">
-              <a:lnSpc>
-                <a:spcPct val="110000"/>
-              </a:lnSpc>
-            </a:pPr>
             <a:r>
               <a:rPr lang="pt-BR" sz="2000" dirty="0">
                 <a:latin typeface="Arial" panose="020B0604020202020204" pitchFamily="34" charset="0"/>
                 <a:cs typeface="Arial" panose="020B0604020202020204" pitchFamily="34" charset="0"/>
               </a:rPr>
-              <a:t>Teste</a:t>
-            </a:r>
-          </a:p>
-          <a:p>
-            <a:pPr algn="just">
-              <a:lnSpc>
-                <a:spcPct val="110000"/>
-              </a:lnSpc>
-            </a:pPr>
+              <a:t>BOSCH. Manual de tecnologia automotiva. [Digite o Local da Editora]: Editora </a:t>
+            </a:r>
             <a:r>
               <a:rPr lang="pt-BR" sz="2000" dirty="0" err="1">
                 <a:latin typeface="Arial" panose="020B0604020202020204" pitchFamily="34" charset="0"/>
                 <a:cs typeface="Arial" panose="020B0604020202020204" pitchFamily="34" charset="0"/>
               </a:rPr>
-              <a:t>Trhrhj</a:t>
-            </a:r>
-            <a:endParaRPr lang="pt-BR" sz="2000" dirty="0">
-              <a:latin typeface="Arial" panose="020B0604020202020204" pitchFamily="34" charset="0"/>
-              <a:cs typeface="Arial" panose="020B0604020202020204" pitchFamily="34" charset="0"/>
-            </a:endParaRPr>
-          </a:p>
-          <a:p>
-            <a:pPr algn="just">
-              <a:lnSpc>
-                <a:spcPct val="110000"/>
-              </a:lnSpc>
-            </a:pPr>
-            <a:r>
-              <a:rPr lang="pt-BR" sz="2000" dirty="0" err="1">
+              <a:t>Blucher</a:t>
+            </a:r>
+            <a:r>
+              <a:rPr lang="pt-BR" sz="2000" dirty="0">
                 <a:latin typeface="Arial" panose="020B0604020202020204" pitchFamily="34" charset="0"/>
                 <a:cs typeface="Arial" panose="020B0604020202020204" pitchFamily="34" charset="0"/>
               </a:rPr>
-              <a:t>Yjsyj</a:t>
-            </a:r>
-            <a:endParaRPr lang="pt-BR" sz="2000" dirty="0">
-              <a:latin typeface="Arial" panose="020B0604020202020204" pitchFamily="34" charset="0"/>
-              <a:cs typeface="Arial" panose="020B0604020202020204" pitchFamily="34" charset="0"/>
-            </a:endParaRPr>
-          </a:p>
-          <a:p>
-            <a:pPr algn="just">
-              <a:lnSpc>
-                <a:spcPct val="110000"/>
-              </a:lnSpc>
-            </a:pPr>
-            <a:endParaRPr lang="pt-BR" sz="2000" dirty="0">
-              <a:latin typeface="Arial" panose="020B0604020202020204" pitchFamily="34" charset="0"/>
-              <a:cs typeface="Arial" panose="020B0604020202020204" pitchFamily="34" charset="0"/>
-            </a:endParaRPr>
+              <a:t>, 2005. 9788521215523. </a:t>
+            </a:r>
           </a:p>
         </p:txBody>
       </p:sp>
@@ -7647,8 +6830,8 @@
         </p:nvSpPr>
         <p:spPr>
           <a:xfrm>
-            <a:off x="0" y="1052736"/>
-            <a:ext cx="9144000" cy="4824536"/>
+            <a:off x="0" y="918000"/>
+            <a:ext cx="9144000" cy="5940000"/>
           </a:xfrm>
         </p:spPr>
         <p:txBody>
@@ -7666,7 +6849,17 @@
                 <a:latin typeface="Arial" panose="020B0604020202020204" pitchFamily="34" charset="0"/>
                 <a:cs typeface="Arial" panose="020B0604020202020204" pitchFamily="34" charset="0"/>
               </a:rPr>
-              <a:t>TPMS (Tire Pressure Monitoring System)</a:t>
+              <a:t>TPMS (</a:t>
+            </a:r>
+            <a:r>
+              <a:rPr lang="pt-BR" sz="2600" noProof="1">
+                <a:highlight>
+                  <a:srgbClr val="FFFF00"/>
+                </a:highlight>
+                <a:latin typeface="Arial" panose="020B0604020202020204" pitchFamily="34" charset="0"/>
+                <a:cs typeface="Arial" panose="020B0604020202020204" pitchFamily="34" charset="0"/>
+              </a:rPr>
+              <a:t>Tire Pressure Monitoring System)</a:t>
             </a:r>
           </a:p>
           <a:p>
@@ -7675,6 +6868,9 @@
               <a:buChar char="Ø"/>
             </a:pPr>
             <a:endParaRPr lang="pt-BR" sz="1100" noProof="1">
+              <a:highlight>
+                <a:srgbClr val="FFFF00"/>
+              </a:highlight>
               <a:latin typeface="Arial" panose="020B0604020202020204" pitchFamily="34" charset="0"/>
               <a:cs typeface="Arial" panose="020B0604020202020204" pitchFamily="34" charset="0"/>
             </a:endParaRPr>
@@ -7686,10 +6882,20 @@
             </a:pPr>
             <a:r>
               <a:rPr lang="pt-BR" sz="2400" noProof="1">
+                <a:highlight>
+                  <a:srgbClr val="FFFF00"/>
+                </a:highlight>
                 <a:latin typeface="Arial" panose="020B0604020202020204" pitchFamily="34" charset="0"/>
                 <a:cs typeface="Arial" panose="020B0604020202020204" pitchFamily="34" charset="0"/>
               </a:rPr>
-              <a:t>Monitor de pressão para pneus. Conceito: </a:t>
+              <a:t>Monitor de pressão para pneus. Conceito</a:t>
+            </a:r>
+            <a:r>
+              <a:rPr lang="pt-BR" sz="2400" noProof="1">
+                <a:latin typeface="Arial" panose="020B0604020202020204" pitchFamily="34" charset="0"/>
+                <a:cs typeface="Arial" panose="020B0604020202020204" pitchFamily="34" charset="0"/>
+              </a:rPr>
+              <a:t>: </a:t>
             </a:r>
           </a:p>
           <a:p>
@@ -7728,8 +6934,8 @@
         </p:blipFill>
         <p:spPr>
           <a:xfrm>
-            <a:off x="2340017" y="2708920"/>
-            <a:ext cx="4463965" cy="3311828"/>
+            <a:off x="1904289" y="4581128"/>
+            <a:ext cx="2664030" cy="1976451"/>
           </a:xfrm>
           <a:prstGeom prst="rect">
             <a:avLst/>
@@ -7800,10 +7006,10 @@
               </a:tabLst>
             </a:pPr>
             <a:br>
-              <a:rPr lang="pt-BR" sz="2400" b="1" cap="all"/>
+              <a:rPr lang="pt-BR" sz="2400" b="1" cap="all" dirty="0"/>
             </a:br>
             <a:r>
-              <a:rPr lang="pt-BR" sz="2800" b="1" cap="all">
+              <a:rPr lang="pt-BR" sz="2800" b="1" cap="all" dirty="0">
                 <a:latin typeface="+mj-lt"/>
               </a:rPr>
               <a:t>	 INTRODUÇÃO E JUSTIFICATIVA</a:t>
@@ -7832,8 +7038,8 @@
         </p:nvSpPr>
         <p:spPr>
           <a:xfrm>
-            <a:off x="0" y="1052736"/>
-            <a:ext cx="9144000" cy="5256584"/>
+            <a:off x="0" y="918000"/>
+            <a:ext cx="9144000" cy="5940000"/>
           </a:xfrm>
         </p:spPr>
         <p:txBody>
@@ -7850,7 +7056,7 @@
               <a:rPr lang="pt-BR" sz="2600" noProof="1">
                 <a:cs typeface="Arial" panose="020B0604020202020204" pitchFamily="34" charset="0"/>
               </a:rPr>
-              <a:t>Oportunidade de lançar um novo opcional ao mercado integrado aos sistemas já deolvidos na empresa;</a:t>
+              <a:t>Inicio da regulamentação de utilização de TPMS em 2000 pelo congresso norteamericano e NTSHA.</a:t>
             </a:r>
           </a:p>
           <a:p>
@@ -7875,27 +7081,6 @@
             </a:r>
           </a:p>
           <a:p>
-            <a:pPr algn="just">
-              <a:buFont typeface="Wingdings" panose="05000000000000000000" pitchFamily="2" charset="2"/>
-              <a:buChar char="Ø"/>
-            </a:pPr>
-            <a:endParaRPr lang="pt-BR" sz="1200" noProof="1">
-              <a:cs typeface="Arial" panose="020B0604020202020204" pitchFamily="34" charset="0"/>
-            </a:endParaRPr>
-          </a:p>
-          <a:p>
-            <a:pPr algn="just">
-              <a:buFont typeface="Wingdings" panose="05000000000000000000" pitchFamily="2" charset="2"/>
-              <a:buChar char="Ø"/>
-            </a:pPr>
-            <a:r>
-              <a:rPr lang="pt-BR" sz="2600" noProof="1">
-                <a:cs typeface="Arial" panose="020B0604020202020204" pitchFamily="34" charset="0"/>
-              </a:rPr>
-              <a:t>Na UE o TPMS é obrigatório desde 2012, obrigatoriedade justificada pela redução nas emeições de CO2 e econônima;</a:t>
-            </a:r>
-          </a:p>
-          <a:p>
             <a:pPr marL="0" indent="0" algn="just">
               <a:buNone/>
             </a:pPr>
@@ -7909,8 +7094,36 @@
               <a:buChar char="Ø"/>
             </a:pPr>
             <a:r>
+              <a:rPr lang="pt-BR" sz="2600" noProof="1">
+                <a:cs typeface="Arial" panose="020B0604020202020204" pitchFamily="34" charset="0"/>
+              </a:rPr>
+              <a:t>Oportunidade de lançar um novo produto ao mercado integrado aos sistemas já deolvidos na empresa;</a:t>
+            </a:r>
+          </a:p>
+          <a:p>
+            <a:pPr marL="0" indent="0" algn="just">
+              <a:buNone/>
+            </a:pPr>
+            <a:endParaRPr lang="pt-BR" sz="1200" noProof="1">
+              <a:cs typeface="Arial" panose="020B0604020202020204" pitchFamily="34" charset="0"/>
+            </a:endParaRPr>
+          </a:p>
+          <a:p>
+            <a:pPr algn="just">
+              <a:buFont typeface="Wingdings" panose="05000000000000000000" pitchFamily="2" charset="2"/>
+              <a:buChar char="Ø"/>
+            </a:pPr>
+            <a:r>
               <a:rPr lang="pt-BR" sz="2600" b="1" dirty="0"/>
-              <a:t>Oportunidade de aplicação na indústria local aliada a tendência mundial que exige através de regulamentações a obrigatoriedade de utilização de TPMS para todas as linhas de veículos desde sua fabricação nas montadoras.</a:t>
+              <a:t>Oportunidade de aplicação na indústria local aliada a tendência </a:t>
+            </a:r>
+            <a:r>
+              <a:rPr lang="pt-BR" sz="2600" b="1" dirty="0" err="1"/>
+              <a:t>mundsial</a:t>
+            </a:r>
+            <a:r>
+              <a:rPr lang="pt-BR" sz="2600" b="1" dirty="0"/>
+              <a:t> que exige através de regulamentações a obrigatoriedade de utilização de TPMS para todas as linhas de veículos desde sua fabricação nas montadoras.</a:t>
             </a:r>
           </a:p>
           <a:p>
@@ -8022,8 +7235,8 @@
         </p:nvSpPr>
         <p:spPr>
           <a:xfrm>
-            <a:off x="0" y="1052736"/>
-            <a:ext cx="9144000" cy="4824536"/>
+            <a:off x="0" y="924300"/>
+            <a:ext cx="9144000" cy="5940000"/>
           </a:xfrm>
         </p:spPr>
         <p:txBody>
@@ -8057,9 +7270,21 @@
                 <a:ea typeface="Times New Roman" panose="02020603050405020304" pitchFamily="18" charset="0"/>
                 <a:cs typeface="Times New Roman" panose="02020603050405020304" pitchFamily="18" charset="0"/>
               </a:rPr>
-              <a:t>sistema eletrônico de um TPMS para operação em conjunto ao sistema multiplex LOHR para monitoramento da pressão de pneus que utilizem ar como fluido em ônibus e micro-ônibus de até 6 pneus.</a:t>
+              <a:t>sistema eletrônico de um TPMS para operação em conjunto ao sistema multiplex LOHR para monitoramento da pressão de pneus que utilizem ar como fluido em ônibus e micro-ônibus de até </a:t>
+            </a:r>
+            <a:r>
+              <a:rPr lang="pt-BR" sz="2800">
+                <a:effectLst/>
+                <a:latin typeface="Arial" panose="020B0604020202020204" pitchFamily="34" charset="0"/>
+                <a:ea typeface="Times New Roman" panose="02020603050405020304" pitchFamily="18" charset="0"/>
+                <a:cs typeface="Times New Roman" panose="02020603050405020304" pitchFamily="18" charset="0"/>
+              </a:rPr>
+              <a:t>6 pneus.</a:t>
             </a:r>
             <a:endParaRPr lang="pt-BR" sz="2800" noProof="1">
+              <a:highlight>
+                <a:srgbClr val="FFFF00"/>
+              </a:highlight>
               <a:latin typeface="Arial" panose="020B0604020202020204" pitchFamily="34" charset="0"/>
               <a:cs typeface="Arial" panose="020B0604020202020204" pitchFamily="34" charset="0"/>
             </a:endParaRPr>
@@ -8162,8 +7387,8 @@
         </p:nvSpPr>
         <p:spPr>
           <a:xfrm>
-            <a:off x="0" y="1052736"/>
-            <a:ext cx="9144000" cy="4536504"/>
+            <a:off x="0" y="918000"/>
+            <a:ext cx="9144000" cy="5940000"/>
           </a:xfrm>
         </p:spPr>
         <p:txBody>
@@ -8186,8 +7411,14 @@
                 <a:ea typeface="Times New Roman" panose="02020603050405020304" pitchFamily="18" charset="0"/>
                 <a:cs typeface="Times New Roman" panose="02020603050405020304" pitchFamily="18" charset="0"/>
               </a:rPr>
-              <a:t>Desenvolver e dimensionar os circuitos para o receptor de sinal dos sensores de pressão.</a:t>
-            </a:r>
+              <a:t>Desenvolver e dimensionar os circuitos para o receptor de sinal dos sensores de pressão;</a:t>
+            </a:r>
+            <a:endParaRPr lang="pt-BR" sz="1100" dirty="0">
+              <a:effectLst/>
+              <a:latin typeface="Arial" panose="020B0604020202020204" pitchFamily="34" charset="0"/>
+              <a:ea typeface="Times New Roman" panose="02020603050405020304" pitchFamily="18" charset="0"/>
+              <a:cs typeface="Times New Roman" panose="02020603050405020304" pitchFamily="18" charset="0"/>
+            </a:endParaRPr>
           </a:p>
           <a:p>
             <a:pPr lvl="0" algn="just">
@@ -8197,8 +7428,16 @@
               <a:buFont typeface="Wingdings" panose="05000000000000000000" pitchFamily="2" charset="2"/>
               <a:buChar char="Ø"/>
             </a:pPr>
-            <a:endParaRPr lang="pt-BR" sz="1400" dirty="0">
-              <a:effectLst/>
+            <a:r>
+              <a:rPr lang="pt-BR" sz="2600" dirty="0">
+                <a:effectLst/>
+                <a:latin typeface="Arial" panose="020B0604020202020204" pitchFamily="34" charset="0"/>
+                <a:ea typeface="Times New Roman" panose="02020603050405020304" pitchFamily="18" charset="0"/>
+                <a:cs typeface="Times New Roman" panose="02020603050405020304" pitchFamily="18" charset="0"/>
+              </a:rPr>
+              <a:t>Desenvolver e dimensionar o circuito de medição da pressão dos pneus;</a:t>
+            </a:r>
+            <a:endParaRPr lang="pt-BR" sz="2600" dirty="0">
               <a:latin typeface="Arial" panose="020B0604020202020204" pitchFamily="34" charset="0"/>
               <a:ea typeface="Times New Roman" panose="02020603050405020304" pitchFamily="18" charset="0"/>
               <a:cs typeface="Times New Roman" panose="02020603050405020304" pitchFamily="18" charset="0"/>
@@ -8219,17 +7458,8 @@
                 <a:ea typeface="Times New Roman" panose="02020603050405020304" pitchFamily="18" charset="0"/>
                 <a:cs typeface="Times New Roman" panose="02020603050405020304" pitchFamily="18" charset="0"/>
               </a:rPr>
-              <a:t>Desenvolver e dimensionar o circuito de medição da pressão dos pneus.</a:t>
-            </a:r>
-          </a:p>
-          <a:p>
-            <a:pPr lvl="0" algn="just">
-              <a:lnSpc>
-                <a:spcPct val="150000"/>
-              </a:lnSpc>
-              <a:buFont typeface="Wingdings" panose="05000000000000000000" pitchFamily="2" charset="2"/>
-              <a:buChar char="Ø"/>
-            </a:pPr>
+              <a:t>Montar placas protótipo para desenvolvimento e testes;</a:t>
+            </a:r>
             <a:endParaRPr lang="pt-BR" sz="1400" dirty="0">
               <a:effectLst/>
               <a:latin typeface="Arial" panose="020B0604020202020204" pitchFamily="34" charset="0"/>
@@ -8364,8 +7594,8 @@
         </p:nvSpPr>
         <p:spPr>
           <a:xfrm>
-            <a:off x="0" y="1124744"/>
-            <a:ext cx="9144000" cy="5616624"/>
+            <a:off x="0" y="918000"/>
+            <a:ext cx="9144000" cy="5940000"/>
           </a:xfrm>
         </p:spPr>
         <p:txBody>
@@ -8800,7 +8030,7 @@
                 <a:latin typeface="Arial" panose="020B0604020202020204" pitchFamily="34" charset="0"/>
                 <a:cs typeface="Arial" panose="020B0604020202020204" pitchFamily="34" charset="0"/>
               </a:rPr>
-              <a:t>Sistema TPMS de Medição Direta Ativa - </a:t>
+              <a:t>Sistema TPMS de Medição Direta - </a:t>
             </a:r>
             <a:r>
               <a:rPr lang="pt-BR" sz="2600" b="1" noProof="1">
@@ -8950,8 +8180,8 @@
         </p:nvSpPr>
         <p:spPr>
           <a:xfrm>
-            <a:off x="0" y="1124744"/>
-            <a:ext cx="9144000" cy="5616624"/>
+            <a:off x="-26020" y="915792"/>
+            <a:ext cx="9144000" cy="5940000"/>
           </a:xfrm>
         </p:spPr>
         <p:txBody>
@@ -8969,7 +8199,7 @@
                 <a:latin typeface="Arial" panose="020B0604020202020204" pitchFamily="34" charset="0"/>
                 <a:cs typeface="Arial" panose="020B0604020202020204" pitchFamily="34" charset="0"/>
               </a:rPr>
-              <a:t>Sistema TPMS de Medição Direta Ativa - </a:t>
+              <a:t>Sistema TPMS de Medição Direta - </a:t>
             </a:r>
             <a:r>
               <a:rPr lang="pt-BR" sz="2600" b="1" noProof="1">
